--- a/최종 결과물/PPT/구현_방지훈.pptx
+++ b/최종 결과물/PPT/구현_방지훈.pptx
@@ -3145,7 +3145,7 @@
             <a:fld id="{96DFF08F-DC6B-4601-B491-B0F83F6DD2DA}" type="datetimeFigureOut">
               <a:rPr lang="en-US" smtClean="0"/>
               <a:pPr/>
-              <a:t>6/20/2016</a:t>
+              <a:t>6/21/2016</a:t>
             </a:fld>
             <a:endParaRPr lang="en-US" dirty="0"/>
           </a:p>
@@ -3460,7 +3460,7 @@
             <a:fld id="{96DFF08F-DC6B-4601-B491-B0F83F6DD2DA}" type="datetimeFigureOut">
               <a:rPr lang="en-US" smtClean="0"/>
               <a:pPr/>
-              <a:t>6/20/2016</a:t>
+              <a:t>6/21/2016</a:t>
             </a:fld>
             <a:endParaRPr lang="en-US" dirty="0"/>
           </a:p>
@@ -3685,7 +3685,7 @@
             <a:fld id="{96DFF08F-DC6B-4601-B491-B0F83F6DD2DA}" type="datetimeFigureOut">
               <a:rPr lang="en-US" smtClean="0"/>
               <a:pPr/>
-              <a:t>6/20/2016</a:t>
+              <a:t>6/21/2016</a:t>
             </a:fld>
             <a:endParaRPr lang="en-US" dirty="0"/>
           </a:p>
@@ -3979,7 +3979,7 @@
             <a:fld id="{96DFF08F-DC6B-4601-B491-B0F83F6DD2DA}" type="datetimeFigureOut">
               <a:rPr lang="en-US" smtClean="0"/>
               <a:pPr/>
-              <a:t>6/20/2016</a:t>
+              <a:t>6/21/2016</a:t>
             </a:fld>
             <a:endParaRPr lang="en-US" dirty="0"/>
           </a:p>
@@ -4436,7 +4436,7 @@
             <a:fld id="{96DFF08F-DC6B-4601-B491-B0F83F6DD2DA}" type="datetimeFigureOut">
               <a:rPr lang="en-US" smtClean="0"/>
               <a:pPr/>
-              <a:t>6/20/2016</a:t>
+              <a:t>6/21/2016</a:t>
             </a:fld>
             <a:endParaRPr lang="en-US" dirty="0"/>
           </a:p>
@@ -5015,7 +5015,7 @@
             <a:fld id="{96DFF08F-DC6B-4601-B491-B0F83F6DD2DA}" type="datetimeFigureOut">
               <a:rPr lang="en-US" smtClean="0"/>
               <a:pPr/>
-              <a:t>6/20/2016</a:t>
+              <a:t>6/21/2016</a:t>
             </a:fld>
             <a:endParaRPr lang="en-US" dirty="0"/>
           </a:p>
@@ -5870,7 +5870,7 @@
             <a:fld id="{96DFF08F-DC6B-4601-B491-B0F83F6DD2DA}" type="datetimeFigureOut">
               <a:rPr lang="en-US" smtClean="0"/>
               <a:pPr/>
-              <a:t>6/20/2016</a:t>
+              <a:t>6/21/2016</a:t>
             </a:fld>
             <a:endParaRPr lang="en-US" dirty="0"/>
           </a:p>
@@ -6077,7 +6077,7 @@
           <a:p>
             <a:fld id="{96DFF08F-DC6B-4601-B491-B0F83F6DD2DA}" type="datetimeFigureOut">
               <a:rPr lang="en-US" smtClean="0"/>
-              <a:t>6/20/2016</a:t>
+              <a:t>6/21/2016</a:t>
             </a:fld>
             <a:endParaRPr lang="en-US" dirty="0"/>
           </a:p>
@@ -6293,7 +6293,7 @@
           <a:p>
             <a:fld id="{96DFF08F-DC6B-4601-B491-B0F83F6DD2DA}" type="datetimeFigureOut">
               <a:rPr lang="en-US" smtClean="0"/>
-              <a:t>6/20/2016</a:t>
+              <a:t>6/21/2016</a:t>
             </a:fld>
             <a:endParaRPr lang="en-US" dirty="0"/>
           </a:p>
@@ -6767,7 +6767,7 @@
           <a:p>
             <a:fld id="{96DFF08F-DC6B-4601-B491-B0F83F6DD2DA}" type="datetimeFigureOut">
               <a:rPr lang="en-US" smtClean="0"/>
-              <a:t>6/20/2016</a:t>
+              <a:t>6/21/2016</a:t>
             </a:fld>
             <a:endParaRPr lang="en-US" dirty="0"/>
           </a:p>
@@ -7049,7 +7049,7 @@
           <a:p>
             <a:fld id="{96DFF08F-DC6B-4601-B491-B0F83F6DD2DA}" type="datetimeFigureOut">
               <a:rPr lang="en-US" smtClean="0"/>
-              <a:t>6/20/2016</a:t>
+              <a:t>6/21/2016</a:t>
             </a:fld>
             <a:endParaRPr lang="en-US" dirty="0"/>
           </a:p>
@@ -7318,7 +7318,7 @@
           <a:p>
             <a:fld id="{96DFF08F-DC6B-4601-B491-B0F83F6DD2DA}" type="datetimeFigureOut">
               <a:rPr lang="en-US" smtClean="0"/>
-              <a:t>6/20/2016</a:t>
+              <a:t>6/21/2016</a:t>
             </a:fld>
             <a:endParaRPr lang="en-US" dirty="0"/>
           </a:p>
@@ -7735,7 +7735,7 @@
           <a:p>
             <a:fld id="{96DFF08F-DC6B-4601-B491-B0F83F6DD2DA}" type="datetimeFigureOut">
               <a:rPr lang="en-US" smtClean="0"/>
-              <a:t>6/20/2016</a:t>
+              <a:t>6/21/2016</a:t>
             </a:fld>
             <a:endParaRPr lang="en-US" dirty="0"/>
           </a:p>
@@ -7885,7 +7885,7 @@
           <a:p>
             <a:fld id="{96DFF08F-DC6B-4601-B491-B0F83F6DD2DA}" type="datetimeFigureOut">
               <a:rPr lang="en-US" smtClean="0"/>
-              <a:t>6/20/2016</a:t>
+              <a:t>6/21/2016</a:t>
             </a:fld>
             <a:endParaRPr lang="en-US" dirty="0"/>
           </a:p>
@@ -8012,7 +8012,7 @@
           <a:p>
             <a:fld id="{96DFF08F-DC6B-4601-B491-B0F83F6DD2DA}" type="datetimeFigureOut">
               <a:rPr lang="en-US" smtClean="0"/>
-              <a:t>6/20/2016</a:t>
+              <a:t>6/21/2016</a:t>
             </a:fld>
             <a:endParaRPr lang="en-US" dirty="0"/>
           </a:p>
@@ -8293,7 +8293,7 @@
           <a:p>
             <a:fld id="{96DFF08F-DC6B-4601-B491-B0F83F6DD2DA}" type="datetimeFigureOut">
               <a:rPr lang="en-US" smtClean="0"/>
-              <a:t>6/20/2016</a:t>
+              <a:t>6/21/2016</a:t>
             </a:fld>
             <a:endParaRPr lang="en-US" dirty="0"/>
           </a:p>
@@ -8607,7 +8607,7 @@
           <a:p>
             <a:fld id="{9CDD058F-B960-4439-B370-43D89816EE05}" type="datetimeFigureOut">
               <a:rPr lang="en-US" smtClean="0"/>
-              <a:t>6/20/2016</a:t>
+              <a:t>6/21/2016</a:t>
             </a:fld>
             <a:endParaRPr lang="en-US" dirty="0"/>
           </a:p>
@@ -8863,7 +8863,7 @@
             <a:fld id="{96DFF08F-DC6B-4601-B491-B0F83F6DD2DA}" type="datetimeFigureOut">
               <a:rPr lang="en-US" smtClean="0"/>
               <a:pPr/>
-              <a:t>6/20/2016</a:t>
+              <a:t>6/21/2016</a:t>
             </a:fld>
             <a:endParaRPr lang="en-US" dirty="0"/>
           </a:p>
@@ -9841,14 +9841,7 @@
                 <a:latin typeface="나눔고딕" panose="020D0604000000000000" pitchFamily="50" charset="-127"/>
                 <a:ea typeface="나눔고딕" panose="020D0604000000000000" pitchFamily="50" charset="-127"/>
               </a:rPr>
-              <a:t>구현</a:t>
-            </a:r>
-            <a:r>
-              <a:rPr lang="ko-KR" altLang="en-US" sz="3600" b="1" kern="0" dirty="0" smtClean="0">
-                <a:latin typeface="나눔고딕" panose="020D0604000000000000" pitchFamily="50" charset="-127"/>
-                <a:ea typeface="나눔고딕" panose="020D0604000000000000" pitchFamily="50" charset="-127"/>
-              </a:rPr>
-              <a:t> 결과</a:t>
+              <a:t>구현 결과</a:t>
             </a:r>
             <a:endParaRPr lang="en-US" altLang="ko-KR" sz="3600" b="1" kern="0" dirty="0" smtClean="0">
               <a:latin typeface="나눔고딕" panose="020D0604000000000000" pitchFamily="50" charset="-127"/>
@@ -10103,14 +10096,7 @@
                 <a:latin typeface="나눔고딕" panose="020D0604000000000000" pitchFamily="50" charset="-127"/>
                 <a:ea typeface="나눔고딕" panose="020D0604000000000000" pitchFamily="50" charset="-127"/>
               </a:rPr>
-              <a:t>구현</a:t>
-            </a:r>
-            <a:r>
-              <a:rPr lang="ko-KR" altLang="en-US" sz="3600" b="1" kern="0" dirty="0" smtClean="0">
-                <a:latin typeface="나눔고딕" panose="020D0604000000000000" pitchFamily="50" charset="-127"/>
-                <a:ea typeface="나눔고딕" panose="020D0604000000000000" pitchFamily="50" charset="-127"/>
-              </a:rPr>
-              <a:t> 결과</a:t>
+              <a:t>구현 결과</a:t>
             </a:r>
             <a:endParaRPr lang="en-US" altLang="ko-KR" sz="3600" b="1" kern="0" dirty="0" smtClean="0">
               <a:latin typeface="나눔고딕" panose="020D0604000000000000" pitchFamily="50" charset="-127"/>
@@ -10365,14 +10351,7 @@
                 <a:latin typeface="나눔고딕" panose="020D0604000000000000" pitchFamily="50" charset="-127"/>
                 <a:ea typeface="나눔고딕" panose="020D0604000000000000" pitchFamily="50" charset="-127"/>
               </a:rPr>
-              <a:t>구현</a:t>
-            </a:r>
-            <a:r>
-              <a:rPr lang="ko-KR" altLang="en-US" sz="3600" b="1" kern="0" dirty="0" smtClean="0">
-                <a:latin typeface="나눔고딕" panose="020D0604000000000000" pitchFamily="50" charset="-127"/>
-                <a:ea typeface="나눔고딕" panose="020D0604000000000000" pitchFamily="50" charset="-127"/>
-              </a:rPr>
-              <a:t> 결과</a:t>
+              <a:t>구현 결과</a:t>
             </a:r>
             <a:endParaRPr lang="en-US" altLang="ko-KR" sz="3600" b="1" kern="0" dirty="0" smtClean="0">
               <a:latin typeface="나눔고딕" panose="020D0604000000000000" pitchFamily="50" charset="-127"/>
@@ -10613,14 +10592,7 @@
                 <a:latin typeface="나눔고딕" panose="020D0604000000000000" pitchFamily="50" charset="-127"/>
                 <a:ea typeface="나눔고딕" panose="020D0604000000000000" pitchFamily="50" charset="-127"/>
               </a:rPr>
-              <a:t>구현</a:t>
-            </a:r>
-            <a:r>
-              <a:rPr lang="ko-KR" altLang="en-US" sz="3600" b="1" kern="0" dirty="0" smtClean="0">
-                <a:latin typeface="나눔고딕" panose="020D0604000000000000" pitchFamily="50" charset="-127"/>
-                <a:ea typeface="나눔고딕" panose="020D0604000000000000" pitchFamily="50" charset="-127"/>
-              </a:rPr>
-              <a:t> 결과</a:t>
+              <a:t>구현 결과</a:t>
             </a:r>
             <a:endParaRPr lang="en-US" altLang="ko-KR" sz="3600" b="1" kern="0" dirty="0" smtClean="0">
               <a:latin typeface="나눔고딕" panose="020D0604000000000000" pitchFamily="50" charset="-127"/>
@@ -12535,7 +12507,7 @@
         </p:nvGraphicFramePr>
         <p:xfrm>
           <a:off x="5123048" y="96862"/>
-          <a:ext cx="4401952" cy="6556288"/>
+          <a:ext cx="4401952" cy="6589562"/>
         </p:xfrm>
         <a:graphic>
           <a:graphicData uri="http://schemas.openxmlformats.org/drawingml/2006/table">
@@ -13830,14 +13802,7 @@
                 <a:latin typeface="나눔고딕" panose="020D0604000000000000" pitchFamily="50" charset="-127"/>
                 <a:ea typeface="나눔고딕" panose="020D0604000000000000" pitchFamily="50" charset="-127"/>
               </a:rPr>
-              <a:t>구현</a:t>
-            </a:r>
-            <a:r>
-              <a:rPr lang="ko-KR" altLang="en-US" sz="3600" b="1" kern="0" dirty="0" smtClean="0">
-                <a:latin typeface="나눔고딕" panose="020D0604000000000000" pitchFamily="50" charset="-127"/>
-                <a:ea typeface="나눔고딕" panose="020D0604000000000000" pitchFamily="50" charset="-127"/>
-              </a:rPr>
-              <a:t> 결과</a:t>
+              <a:t>구현 결과</a:t>
             </a:r>
             <a:endParaRPr lang="en-US" altLang="ko-KR" sz="3600" b="1" kern="0" dirty="0" smtClean="0">
               <a:latin typeface="나눔고딕" panose="020D0604000000000000" pitchFamily="50" charset="-127"/>
@@ -15712,14 +15677,7 @@
                 <a:latin typeface="나눔고딕" panose="020D0604000000000000" pitchFamily="50" charset="-127"/>
                 <a:ea typeface="나눔고딕" panose="020D0604000000000000" pitchFamily="50" charset="-127"/>
               </a:rPr>
-              <a:t>구현</a:t>
-            </a:r>
-            <a:r>
-              <a:rPr lang="ko-KR" altLang="en-US" sz="3600" b="1" kern="0" dirty="0" smtClean="0">
-                <a:latin typeface="나눔고딕" panose="020D0604000000000000" pitchFamily="50" charset="-127"/>
-                <a:ea typeface="나눔고딕" panose="020D0604000000000000" pitchFamily="50" charset="-127"/>
-              </a:rPr>
-              <a:t> 결과</a:t>
+              <a:t>구현 결과</a:t>
             </a:r>
             <a:endParaRPr lang="en-US" altLang="ko-KR" sz="3600" b="1" kern="0" dirty="0" smtClean="0">
               <a:latin typeface="나눔고딕" panose="020D0604000000000000" pitchFamily="50" charset="-127"/>
@@ -15770,7 +15728,7 @@
           <p:nvPr>
             <p:extLst>
               <p:ext uri="{D42A27DB-BD31-4B8C-83A1-F6EECF244321}">
-                <p14:modId xmlns:p14="http://schemas.microsoft.com/office/powerpoint/2010/main" val="1859230985"/>
+                <p14:modId xmlns:p14="http://schemas.microsoft.com/office/powerpoint/2010/main" val="2530118521"/>
               </p:ext>
             </p:extLst>
           </p:nvPr>
@@ -16608,7 +16566,40 @@
                           <a:latin typeface="+mn-ea"/>
                           <a:ea typeface="+mn-ea"/>
                         </a:rPr>
-                        <a:t>에 접속 후 강의 평가 결과 테이블에서 입력 받은 정보를 조회를 한다</a:t>
+                        <a:t>에 접속 후 강의 </a:t>
+                      </a:r>
+                      <a:r>
+                        <a:rPr lang="ko-KR" altLang="en-US" sz="1500" kern="0" spc="0">
+                          <a:solidFill>
+                            <a:srgbClr val="000000"/>
+                          </a:solidFill>
+                          <a:effectLst/>
+                          <a:latin typeface="+mn-ea"/>
+                          <a:ea typeface="+mn-ea"/>
+                        </a:rPr>
+                        <a:t>평가 </a:t>
+                      </a:r>
+                      <a:r>
+                        <a:rPr lang="ko-KR" altLang="en-US" sz="1500" kern="0" spc="0" smtClean="0">
+                          <a:solidFill>
+                            <a:srgbClr val="000000"/>
+                          </a:solidFill>
+                          <a:effectLst/>
+                          <a:latin typeface="+mn-ea"/>
+                          <a:ea typeface="+mn-ea"/>
+                        </a:rPr>
+                        <a:t>질문 </a:t>
+                      </a:r>
+                      <a:r>
+                        <a:rPr lang="ko-KR" altLang="en-US" sz="1500" kern="0" spc="0" dirty="0">
+                          <a:solidFill>
+                            <a:srgbClr val="000000"/>
+                          </a:solidFill>
+                          <a:effectLst/>
+                          <a:latin typeface="+mn-ea"/>
+                          <a:ea typeface="+mn-ea"/>
+                        </a:rPr>
+                        <a:t>테이블에서 입력 받은 정보를 조회를 한다</a:t>
                       </a:r>
                       <a:r>
                         <a:rPr lang="en-US" altLang="ko-KR" sz="1500" kern="0" spc="0" dirty="0" smtClean="0">
@@ -16815,14 +16806,7 @@
                 <a:latin typeface="나눔고딕" panose="020D0604000000000000" pitchFamily="50" charset="-127"/>
                 <a:ea typeface="나눔고딕" panose="020D0604000000000000" pitchFamily="50" charset="-127"/>
               </a:rPr>
-              <a:t>구현</a:t>
-            </a:r>
-            <a:r>
-              <a:rPr lang="ko-KR" altLang="en-US" sz="6000" b="1" kern="0" dirty="0" smtClean="0">
-                <a:latin typeface="나눔고딕" panose="020D0604000000000000" pitchFamily="50" charset="-127"/>
-                <a:ea typeface="나눔고딕" panose="020D0604000000000000" pitchFamily="50" charset="-127"/>
-              </a:rPr>
-              <a:t> 결과</a:t>
+              <a:t>구현 결과</a:t>
             </a:r>
             <a:endParaRPr lang="en-US" altLang="ko-KR" sz="6000" b="1" kern="0" dirty="0" smtClean="0">
               <a:latin typeface="나눔고딕" panose="020D0604000000000000" pitchFamily="50" charset="-127"/>
@@ -25552,14 +25536,7 @@
                 <a:latin typeface="나눔고딕" panose="020D0604000000000000" pitchFamily="50" charset="-127"/>
                 <a:ea typeface="나눔고딕" panose="020D0604000000000000" pitchFamily="50" charset="-127"/>
               </a:rPr>
-              <a:t>구현</a:t>
-            </a:r>
-            <a:r>
-              <a:rPr lang="ko-KR" altLang="en-US" sz="3600" b="1" kern="0" dirty="0" smtClean="0">
-                <a:latin typeface="나눔고딕" panose="020D0604000000000000" pitchFamily="50" charset="-127"/>
-                <a:ea typeface="나눔고딕" panose="020D0604000000000000" pitchFamily="50" charset="-127"/>
-              </a:rPr>
-              <a:t> 계획</a:t>
+              <a:t>구현 계획</a:t>
             </a:r>
             <a:endParaRPr lang="en-US" altLang="ko-KR" sz="3600" b="1" kern="0" dirty="0" smtClean="0">
               <a:latin typeface="나눔고딕" panose="020D0604000000000000" pitchFamily="50" charset="-127"/>
@@ -25610,7 +25587,7 @@
           <p:nvPr>
             <p:extLst>
               <p:ext uri="{D42A27DB-BD31-4B8C-83A1-F6EECF244321}">
-                <p14:modId xmlns:p14="http://schemas.microsoft.com/office/powerpoint/2010/main" val="2344624835"/>
+                <p14:modId xmlns:p14="http://schemas.microsoft.com/office/powerpoint/2010/main" val="241471280"/>
               </p:ext>
             </p:extLst>
           </p:nvPr>
@@ -25646,7 +25623,7 @@
                         </a:spcAft>
                       </a:pPr>
                       <a:r>
-                        <a:rPr lang="ko-KR" altLang="en-US" sz="1400" b="1" kern="0" spc="0" dirty="0" smtClean="0">
+                        <a:rPr lang="ko-KR" altLang="en-US" sz="1800" b="1" kern="0" spc="0" dirty="0" smtClean="0">
                           <a:solidFill>
                             <a:srgbClr val="000000"/>
                           </a:solidFill>
@@ -25656,7 +25633,7 @@
                         </a:rPr>
                         <a:t>구분</a:t>
                       </a:r>
-                      <a:endParaRPr lang="ko-KR" altLang="en-US" sz="1400" kern="0" spc="0" dirty="0">
+                      <a:endParaRPr lang="ko-KR" altLang="en-US" sz="1800" kern="0" spc="0" dirty="0">
                         <a:solidFill>
                           <a:srgbClr val="000000"/>
                         </a:solidFill>
@@ -25727,7 +25704,7 @@
                         </a:spcAft>
                       </a:pPr>
                       <a:r>
-                        <a:rPr lang="ko-KR" altLang="en-US" sz="1400" b="1" kern="0" spc="0" dirty="0">
+                        <a:rPr lang="ko-KR" altLang="en-US" sz="1800" b="1" kern="0" spc="0" dirty="0">
                           <a:solidFill>
                             <a:srgbClr val="000000"/>
                           </a:solidFill>
@@ -25737,7 +25714,7 @@
                         </a:rPr>
                         <a:t>개발자 환경</a:t>
                       </a:r>
-                      <a:endParaRPr lang="ko-KR" altLang="en-US" sz="1400" kern="0" spc="0" dirty="0">
+                      <a:endParaRPr lang="ko-KR" altLang="en-US" sz="1800" kern="0" spc="0" dirty="0">
                         <a:solidFill>
                           <a:srgbClr val="000000"/>
                         </a:solidFill>
@@ -25808,7 +25785,7 @@
                         </a:spcAft>
                       </a:pPr>
                       <a:r>
-                        <a:rPr lang="ko-KR" altLang="en-US" sz="1400" b="1" kern="0" spc="0" dirty="0">
+                        <a:rPr lang="ko-KR" altLang="en-US" sz="1800" b="1" kern="0" spc="0" dirty="0">
                           <a:solidFill>
                             <a:srgbClr val="000000"/>
                           </a:solidFill>
@@ -25818,7 +25795,7 @@
                         </a:rPr>
                         <a:t>교육센터 운영관리 시스템</a:t>
                       </a:r>
-                      <a:endParaRPr lang="ko-KR" altLang="en-US" sz="1400" kern="0" spc="0" dirty="0">
+                      <a:endParaRPr lang="ko-KR" altLang="en-US" sz="1800" kern="0" spc="0" dirty="0">
                         <a:solidFill>
                           <a:srgbClr val="000000"/>
                         </a:solidFill>
@@ -25839,7 +25816,7 @@
                         </a:spcAft>
                       </a:pPr>
                       <a:r>
-                        <a:rPr lang="ko-KR" altLang="en-US" sz="1400" b="1" kern="0" spc="0" dirty="0">
+                        <a:rPr lang="ko-KR" altLang="en-US" sz="1800" b="1" kern="0" spc="0" dirty="0">
                           <a:solidFill>
                             <a:srgbClr val="000000"/>
                           </a:solidFill>
@@ -25849,7 +25826,7 @@
                         </a:rPr>
                         <a:t>운영 환경</a:t>
                       </a:r>
-                      <a:endParaRPr lang="ko-KR" altLang="en-US" sz="1400" kern="0" spc="0" dirty="0">
+                      <a:endParaRPr lang="ko-KR" altLang="en-US" sz="1800" kern="0" spc="0" dirty="0">
                         <a:solidFill>
                           <a:srgbClr val="000000"/>
                         </a:solidFill>
@@ -25922,7 +25899,7 @@
                         </a:spcAft>
                       </a:pPr>
                       <a:r>
-                        <a:rPr lang="ko-KR" altLang="en-US" sz="1400" kern="0" spc="0" dirty="0">
+                        <a:rPr lang="ko-KR" altLang="en-US" sz="1800" kern="0" spc="0" dirty="0">
                           <a:solidFill>
                             <a:srgbClr val="000000"/>
                           </a:solidFill>
@@ -25932,7 +25909,7 @@
                         </a:rPr>
                         <a:t>운영체제</a:t>
                       </a:r>
-                      <a:endParaRPr lang="ko-KR" altLang="en-US" sz="1400" kern="0" spc="0" dirty="0">
+                      <a:endParaRPr lang="ko-KR" altLang="en-US" sz="1800" kern="0" spc="0" dirty="0">
                         <a:solidFill>
                           <a:srgbClr val="000000"/>
                         </a:solidFill>
@@ -26000,7 +25977,7 @@
                         </a:spcAft>
                       </a:pPr>
                       <a:r>
-                        <a:rPr lang="en-US" sz="1400" kern="0" spc="0" dirty="0">
+                        <a:rPr lang="en-US" sz="1800" kern="0" spc="0" dirty="0">
                           <a:solidFill>
                             <a:srgbClr val="000000"/>
                           </a:solidFill>
@@ -26010,7 +25987,7 @@
                         </a:rPr>
                         <a:t>Windows 10</a:t>
                       </a:r>
-                      <a:endParaRPr lang="en-US" sz="1400" kern="0" spc="0" dirty="0">
+                      <a:endParaRPr lang="en-US" sz="1800" kern="0" spc="0" dirty="0">
                         <a:solidFill>
                           <a:srgbClr val="000000"/>
                         </a:solidFill>
@@ -26078,7 +26055,7 @@
                         </a:spcAft>
                       </a:pPr>
                       <a:r>
-                        <a:rPr lang="en-US" sz="1400" kern="0" spc="0" dirty="0">
+                        <a:rPr lang="en-US" sz="1800" kern="0" spc="0" dirty="0">
                           <a:solidFill>
                             <a:srgbClr val="000000"/>
                           </a:solidFill>
@@ -26088,7 +26065,7 @@
                         </a:rPr>
                         <a:t>UNIX</a:t>
                       </a:r>
-                      <a:endParaRPr lang="en-US" sz="1400" kern="0" spc="0" dirty="0">
+                      <a:endParaRPr lang="en-US" sz="1800" kern="0" spc="0" dirty="0">
                         <a:solidFill>
                           <a:srgbClr val="000000"/>
                         </a:solidFill>
@@ -26158,7 +26135,7 @@
                         </a:spcAft>
                       </a:pPr>
                       <a:r>
-                        <a:rPr lang="ko-KR" altLang="en-US" sz="1400" kern="0" spc="0" dirty="0">
+                        <a:rPr lang="ko-KR" altLang="en-US" sz="1800" kern="0" spc="0" dirty="0">
                           <a:solidFill>
                             <a:srgbClr val="000000"/>
                           </a:solidFill>
@@ -26168,7 +26145,7 @@
                         </a:rPr>
                         <a:t>데이터베이스</a:t>
                       </a:r>
-                      <a:endParaRPr lang="ko-KR" altLang="en-US" sz="1400" kern="0" spc="0" dirty="0">
+                      <a:endParaRPr lang="ko-KR" altLang="en-US" sz="1800" kern="0" spc="0" dirty="0">
                         <a:solidFill>
                           <a:srgbClr val="000000"/>
                         </a:solidFill>
@@ -26236,7 +26213,7 @@
                         </a:spcAft>
                       </a:pPr>
                       <a:r>
-                        <a:rPr lang="en-US" sz="1400" kern="0" spc="0" dirty="0" err="1">
+                        <a:rPr lang="en-US" sz="1800" kern="0" spc="0" dirty="0" err="1">
                           <a:solidFill>
                             <a:srgbClr val="000000"/>
                           </a:solidFill>
@@ -26247,7 +26224,7 @@
                         <a:t>MySql</a:t>
                       </a:r>
                       <a:r>
-                        <a:rPr lang="en-US" sz="1400" kern="0" spc="0" dirty="0">
+                        <a:rPr lang="en-US" sz="1800" kern="0" spc="0" dirty="0">
                           <a:solidFill>
                             <a:srgbClr val="000000"/>
                           </a:solidFill>
@@ -26257,7 +26234,7 @@
                         </a:rPr>
                         <a:t> server 5.7</a:t>
                       </a:r>
-                      <a:endParaRPr lang="en-US" sz="1400" kern="0" spc="0" dirty="0">
+                      <a:endParaRPr lang="en-US" sz="1800" kern="0" spc="0" dirty="0">
                         <a:solidFill>
                           <a:srgbClr val="000000"/>
                         </a:solidFill>
@@ -26325,7 +26302,7 @@
                         </a:spcAft>
                       </a:pPr>
                       <a:r>
-                        <a:rPr lang="en-US" sz="1400" kern="0" spc="0" dirty="0" err="1">
+                        <a:rPr lang="en-US" sz="1800" kern="0" spc="0" dirty="0" err="1">
                           <a:solidFill>
                             <a:srgbClr val="000000"/>
                           </a:solidFill>
@@ -26336,7 +26313,7 @@
                         <a:t>MySql</a:t>
                       </a:r>
                       <a:r>
-                        <a:rPr lang="en-US" sz="1400" kern="0" spc="0" dirty="0">
+                        <a:rPr lang="en-US" sz="1800" kern="0" spc="0" dirty="0">
                           <a:solidFill>
                             <a:srgbClr val="000000"/>
                           </a:solidFill>
@@ -26346,7 +26323,7 @@
                         </a:rPr>
                         <a:t> server 5.7</a:t>
                       </a:r>
-                      <a:endParaRPr lang="en-US" sz="1400" kern="0" spc="0" dirty="0">
+                      <a:endParaRPr lang="en-US" sz="1800" kern="0" spc="0" dirty="0">
                         <a:solidFill>
                           <a:srgbClr val="000000"/>
                         </a:solidFill>
@@ -26416,7 +26393,7 @@
                         </a:spcAft>
                       </a:pPr>
                       <a:r>
-                        <a:rPr lang="ko-KR" altLang="en-US" sz="1400" kern="0" spc="0">
+                        <a:rPr lang="ko-KR" altLang="en-US" sz="1800" kern="0" spc="0">
                           <a:solidFill>
                             <a:srgbClr val="000000"/>
                           </a:solidFill>
@@ -26426,7 +26403,7 @@
                         </a:rPr>
                         <a:t>웹 개발 언어</a:t>
                       </a:r>
-                      <a:endParaRPr lang="ko-KR" altLang="en-US" sz="1400" kern="0" spc="0">
+                      <a:endParaRPr lang="ko-KR" altLang="en-US" sz="1800" kern="0" spc="0">
                         <a:solidFill>
                           <a:srgbClr val="000000"/>
                         </a:solidFill>
@@ -26494,7 +26471,7 @@
                         </a:spcAft>
                       </a:pPr>
                       <a:r>
-                        <a:rPr lang="en-US" sz="1400" kern="0" spc="0" dirty="0">
+                        <a:rPr lang="en-US" sz="1800" kern="0" spc="0" dirty="0">
                           <a:solidFill>
                             <a:srgbClr val="000000"/>
                           </a:solidFill>
@@ -26505,7 +26482,7 @@
                         <a:t>JSP, </a:t>
                       </a:r>
                       <a:r>
-                        <a:rPr lang="en-US" sz="1400" kern="0" spc="0" dirty="0" err="1">
+                        <a:rPr lang="en-US" sz="1800" kern="0" spc="0" dirty="0" err="1">
                           <a:solidFill>
                             <a:srgbClr val="000000"/>
                           </a:solidFill>
@@ -26515,7 +26492,7 @@
                         </a:rPr>
                         <a:t>javaScript</a:t>
                       </a:r>
-                      <a:endParaRPr lang="en-US" sz="1400" kern="0" spc="0" dirty="0">
+                      <a:endParaRPr lang="en-US" sz="1800" kern="0" spc="0" dirty="0">
                         <a:solidFill>
                           <a:srgbClr val="000000"/>
                         </a:solidFill>
@@ -26583,7 +26560,7 @@
                         </a:spcAft>
                       </a:pPr>
                       <a:r>
-                        <a:rPr lang="en-US" sz="1400" kern="0" spc="0" dirty="0">
+                        <a:rPr lang="en-US" sz="1800" kern="0" spc="0" dirty="0">
                           <a:solidFill>
                             <a:srgbClr val="000000"/>
                           </a:solidFill>
@@ -26594,7 +26571,7 @@
                         <a:t>JSP, </a:t>
                       </a:r>
                       <a:r>
-                        <a:rPr lang="en-US" sz="1400" kern="0" spc="0" dirty="0" err="1">
+                        <a:rPr lang="en-US" sz="1800" kern="0" spc="0" dirty="0" err="1">
                           <a:solidFill>
                             <a:srgbClr val="000000"/>
                           </a:solidFill>
@@ -26604,7 +26581,7 @@
                         </a:rPr>
                         <a:t>javaScript</a:t>
                       </a:r>
-                      <a:endParaRPr lang="en-US" sz="1400" kern="0" spc="0" dirty="0">
+                      <a:endParaRPr lang="en-US" sz="1800" kern="0" spc="0" dirty="0">
                         <a:solidFill>
                           <a:srgbClr val="000000"/>
                         </a:solidFill>
@@ -26674,7 +26651,7 @@
                         </a:spcAft>
                       </a:pPr>
                       <a:r>
-                        <a:rPr lang="ko-KR" altLang="en-US" sz="1400" kern="0" spc="0">
+                        <a:rPr lang="ko-KR" altLang="en-US" sz="1800" kern="0" spc="0">
                           <a:solidFill>
                             <a:srgbClr val="000000"/>
                           </a:solidFill>
@@ -26684,7 +26661,7 @@
                         </a:rPr>
                         <a:t>하드웨어</a:t>
                       </a:r>
-                      <a:endParaRPr lang="ko-KR" altLang="en-US" sz="1400" kern="0" spc="0">
+                      <a:endParaRPr lang="ko-KR" altLang="en-US" sz="1800" kern="0" spc="0">
                         <a:solidFill>
                           <a:srgbClr val="000000"/>
                         </a:solidFill>
@@ -26752,7 +26729,7 @@
                         </a:spcAft>
                       </a:pPr>
                       <a:r>
-                        <a:rPr lang="en-US" sz="1400" kern="0" spc="0" dirty="0">
+                        <a:rPr lang="en-US" sz="1800" kern="0" spc="0" dirty="0">
                           <a:solidFill>
                             <a:srgbClr val="000000"/>
                           </a:solidFill>
@@ -26762,7 +26739,7 @@
                         </a:rPr>
                         <a:t>Apache Server 8.0</a:t>
                       </a:r>
-                      <a:endParaRPr lang="en-US" sz="1400" kern="0" spc="0" dirty="0">
+                      <a:endParaRPr lang="en-US" sz="1800" kern="0" spc="0" dirty="0">
                         <a:solidFill>
                           <a:srgbClr val="000000"/>
                         </a:solidFill>
@@ -26830,7 +26807,7 @@
                         </a:spcAft>
                       </a:pPr>
                       <a:r>
-                        <a:rPr lang="en-US" sz="1400" kern="0" spc="0" dirty="0">
+                        <a:rPr lang="en-US" sz="1800" kern="0" spc="0" dirty="0">
                           <a:solidFill>
                             <a:srgbClr val="000000"/>
                           </a:solidFill>
@@ -26840,7 +26817,7 @@
                         </a:rPr>
                         <a:t>Apache Server 8.0</a:t>
                       </a:r>
-                      <a:endParaRPr lang="en-US" sz="1400" kern="0" spc="0" dirty="0">
+                      <a:endParaRPr lang="en-US" sz="1800" kern="0" spc="0" dirty="0">
                         <a:solidFill>
                           <a:srgbClr val="000000"/>
                         </a:solidFill>
@@ -27457,14 +27434,7 @@
                 <a:latin typeface="나눔고딕" panose="020D0604000000000000" pitchFamily="50" charset="-127"/>
                 <a:ea typeface="나눔고딕" panose="020D0604000000000000" pitchFamily="50" charset="-127"/>
               </a:rPr>
-              <a:t>구현</a:t>
-            </a:r>
-            <a:r>
-              <a:rPr lang="ko-KR" altLang="en-US" sz="3600" b="1" kern="0" dirty="0" smtClean="0">
-                <a:latin typeface="나눔고딕" panose="020D0604000000000000" pitchFamily="50" charset="-127"/>
-                <a:ea typeface="나눔고딕" panose="020D0604000000000000" pitchFamily="50" charset="-127"/>
-              </a:rPr>
-              <a:t> 계획</a:t>
+              <a:t>구현 계획</a:t>
             </a:r>
             <a:endParaRPr lang="en-US" altLang="ko-KR" sz="3600" b="1" kern="0" dirty="0" smtClean="0">
               <a:latin typeface="나눔고딕" panose="020D0604000000000000" pitchFamily="50" charset="-127"/>
@@ -27522,7 +27492,7 @@
         </p:nvGraphicFramePr>
         <p:xfrm>
           <a:off x="381000" y="1460982"/>
-          <a:ext cx="9144002" cy="5201075"/>
+          <a:ext cx="9144002" cy="5294290"/>
         </p:xfrm>
         <a:graphic>
           <a:graphicData uri="http://schemas.openxmlformats.org/drawingml/2006/table">
@@ -28771,18 +28741,7 @@
                           <a:latin typeface="+mj-ea"/>
                           <a:ea typeface="+mj-ea"/>
                         </a:rPr>
-                        <a:t> </a:t>
-                      </a:r>
-                      <a:r>
-                        <a:rPr lang="en-US" sz="1400" kern="0" spc="0" baseline="0" dirty="0" smtClean="0">
-                          <a:solidFill>
-                            <a:srgbClr val="000000"/>
-                          </a:solidFill>
-                          <a:effectLst/>
-                          <a:latin typeface="+mj-ea"/>
-                          <a:ea typeface="+mj-ea"/>
-                        </a:rPr>
-                        <a:t>~ </a:t>
+                        <a:t> ~ </a:t>
                       </a:r>
                       <a:r>
                         <a:rPr lang="en-US" altLang="ko-KR" sz="1400" kern="0" spc="0" dirty="0" smtClean="0">
@@ -29279,18 +29238,7 @@
                           <a:latin typeface="+mj-ea"/>
                           <a:ea typeface="+mj-ea"/>
                         </a:rPr>
-                        <a:t>4205 </a:t>
-                      </a:r>
-                      <a:r>
-                        <a:rPr lang="en-US" sz="1400" kern="0" spc="0" dirty="0" smtClean="0">
-                          <a:solidFill>
-                            <a:srgbClr val="000000"/>
-                          </a:solidFill>
-                          <a:effectLst/>
-                          <a:latin typeface="+mj-ea"/>
-                          <a:ea typeface="+mj-ea"/>
-                        </a:rPr>
-                        <a:t>~ </a:t>
+                        <a:t>4205 ~ </a:t>
                       </a:r>
                       <a:r>
                         <a:rPr lang="en-US" altLang="ko-KR" sz="1400" kern="0" spc="0" dirty="0" smtClean="0">
@@ -29809,18 +29757,7 @@
                           <a:latin typeface="+mj-ea"/>
                           <a:ea typeface="+mj-ea"/>
                         </a:rPr>
-                        <a:t> </a:t>
-                      </a:r>
-                      <a:r>
-                        <a:rPr lang="en-US" altLang="ko-KR" sz="1400" kern="0" spc="0" baseline="0" dirty="0" smtClean="0">
-                          <a:solidFill>
-                            <a:srgbClr val="000000"/>
-                          </a:solidFill>
-                          <a:effectLst/>
-                          <a:latin typeface="+mj-ea"/>
-                          <a:ea typeface="+mj-ea"/>
-                        </a:rPr>
-                        <a:t>~ </a:t>
+                        <a:t> ~ </a:t>
                       </a:r>
                       <a:r>
                         <a:rPr lang="en-US" altLang="ko-KR" sz="1400" kern="0" spc="0" dirty="0" smtClean="0">
@@ -30295,29 +30232,7 @@
                           <a:latin typeface="+mj-ea"/>
                           <a:ea typeface="+mj-ea"/>
                         </a:rPr>
-                        <a:t>PGM4216 </a:t>
-                      </a:r>
-                      <a:r>
-                        <a:rPr lang="en-US" altLang="ko-KR" sz="1400" kern="0" spc="0" dirty="0" smtClean="0">
-                          <a:solidFill>
-                            <a:srgbClr val="000000"/>
-                          </a:solidFill>
-                          <a:effectLst/>
-                          <a:latin typeface="+mj-ea"/>
-                          <a:ea typeface="+mj-ea"/>
-                        </a:rPr>
-                        <a:t>~ </a:t>
-                      </a:r>
-                      <a:r>
-                        <a:rPr lang="en-US" altLang="ko-KR" sz="1400" kern="0" spc="0" dirty="0" smtClean="0">
-                          <a:solidFill>
-                            <a:srgbClr val="000000"/>
-                          </a:solidFill>
-                          <a:effectLst/>
-                          <a:latin typeface="+mj-ea"/>
-                          <a:ea typeface="+mj-ea"/>
-                        </a:rPr>
-                        <a:t>PGM4220</a:t>
+                        <a:t>PGM4216 ~ PGM4220</a:t>
                       </a:r>
                       <a:endParaRPr lang="en-US" sz="1400" kern="0" spc="0" dirty="0">
                         <a:solidFill>
@@ -30781,29 +30696,7 @@
                           <a:latin typeface="+mj-ea"/>
                           <a:ea typeface="+mj-ea"/>
                         </a:rPr>
-                        <a:t>PGM4221 </a:t>
-                      </a:r>
-                      <a:r>
-                        <a:rPr lang="en-US" altLang="ko-KR" sz="1400" kern="0" spc="0" dirty="0" smtClean="0">
-                          <a:solidFill>
-                            <a:srgbClr val="000000"/>
-                          </a:solidFill>
-                          <a:effectLst/>
-                          <a:latin typeface="+mj-ea"/>
-                          <a:ea typeface="+mj-ea"/>
-                        </a:rPr>
-                        <a:t>~ </a:t>
-                      </a:r>
-                      <a:r>
-                        <a:rPr lang="en-US" altLang="ko-KR" sz="1400" kern="0" spc="0" dirty="0" smtClean="0">
-                          <a:solidFill>
-                            <a:srgbClr val="000000"/>
-                          </a:solidFill>
-                          <a:effectLst/>
-                          <a:latin typeface="+mj-ea"/>
-                          <a:ea typeface="+mj-ea"/>
-                        </a:rPr>
-                        <a:t>PGM4225</a:t>
+                        <a:t>PGM4221 ~ PGM4225</a:t>
                       </a:r>
                       <a:endParaRPr lang="en-US" sz="1400" kern="0" spc="0" dirty="0">
                         <a:solidFill>
@@ -31267,18 +31160,7 @@
                           <a:latin typeface="+mj-ea"/>
                           <a:ea typeface="+mj-ea"/>
                         </a:rPr>
-                        <a:t>PGM4226 </a:t>
-                      </a:r>
-                      <a:r>
-                        <a:rPr lang="en-US" altLang="ko-KR" sz="1400" kern="0" spc="0" dirty="0" smtClean="0">
-                          <a:solidFill>
-                            <a:srgbClr val="000000"/>
-                          </a:solidFill>
-                          <a:effectLst/>
-                          <a:latin typeface="+mj-ea"/>
-                          <a:ea typeface="+mj-ea"/>
-                        </a:rPr>
-                        <a:t>~ MD4230</a:t>
+                        <a:t>PGM4226 ~ MD4230</a:t>
                       </a:r>
                       <a:endParaRPr lang="en-US" sz="1400" kern="0" spc="0" dirty="0">
                         <a:solidFill>
@@ -31618,14 +31500,7 @@
                 <a:latin typeface="나눔고딕" panose="020D0604000000000000" pitchFamily="50" charset="-127"/>
                 <a:ea typeface="나눔고딕" panose="020D0604000000000000" pitchFamily="50" charset="-127"/>
               </a:rPr>
-              <a:t>구현</a:t>
-            </a:r>
-            <a:r>
-              <a:rPr lang="ko-KR" altLang="en-US" sz="3600" b="1" kern="0" dirty="0" smtClean="0">
-                <a:latin typeface="나눔고딕" panose="020D0604000000000000" pitchFamily="50" charset="-127"/>
-                <a:ea typeface="나눔고딕" panose="020D0604000000000000" pitchFamily="50" charset="-127"/>
-              </a:rPr>
-              <a:t> 계획</a:t>
+              <a:t>구현 계획</a:t>
             </a:r>
             <a:endParaRPr lang="en-US" altLang="ko-KR" sz="3600" b="1" kern="0" dirty="0" smtClean="0">
               <a:latin typeface="나눔고딕" panose="020D0604000000000000" pitchFamily="50" charset="-127"/>
@@ -31829,14 +31704,7 @@
                 <a:latin typeface="나눔고딕" panose="020D0604000000000000" pitchFamily="50" charset="-127"/>
                 <a:ea typeface="나눔고딕" panose="020D0604000000000000" pitchFamily="50" charset="-127"/>
               </a:rPr>
-              <a:t>구현</a:t>
-            </a:r>
-            <a:r>
-              <a:rPr lang="ko-KR" altLang="en-US" sz="3600" b="1" kern="0" dirty="0" smtClean="0">
-                <a:latin typeface="나눔고딕" panose="020D0604000000000000" pitchFamily="50" charset="-127"/>
-                <a:ea typeface="나눔고딕" panose="020D0604000000000000" pitchFamily="50" charset="-127"/>
-              </a:rPr>
-              <a:t> 결과</a:t>
+              <a:t>구현 결과</a:t>
             </a:r>
             <a:endParaRPr lang="en-US" altLang="ko-KR" sz="3600" b="1" kern="0" dirty="0" smtClean="0">
               <a:latin typeface="나눔고딕" panose="020D0604000000000000" pitchFamily="50" charset="-127"/>
@@ -32070,14 +31938,7 @@
                 <a:latin typeface="나눔고딕" panose="020D0604000000000000" pitchFamily="50" charset="-127"/>
                 <a:ea typeface="나눔고딕" panose="020D0604000000000000" pitchFamily="50" charset="-127"/>
               </a:rPr>
-              <a:t>구현</a:t>
-            </a:r>
-            <a:r>
-              <a:rPr lang="ko-KR" altLang="en-US" sz="3600" b="1" kern="0" dirty="0" smtClean="0">
-                <a:latin typeface="나눔고딕" panose="020D0604000000000000" pitchFamily="50" charset="-127"/>
-                <a:ea typeface="나눔고딕" panose="020D0604000000000000" pitchFamily="50" charset="-127"/>
-              </a:rPr>
-              <a:t> 결과</a:t>
+              <a:t>구현 결과</a:t>
             </a:r>
             <a:endParaRPr lang="en-US" altLang="ko-KR" sz="3600" b="1" kern="0" dirty="0" smtClean="0">
               <a:latin typeface="나눔고딕" panose="020D0604000000000000" pitchFamily="50" charset="-127"/>
@@ -32325,14 +32186,7 @@
                 <a:latin typeface="나눔고딕" panose="020D0604000000000000" pitchFamily="50" charset="-127"/>
                 <a:ea typeface="나눔고딕" panose="020D0604000000000000" pitchFamily="50" charset="-127"/>
               </a:rPr>
-              <a:t>구현</a:t>
-            </a:r>
-            <a:r>
-              <a:rPr lang="ko-KR" altLang="en-US" sz="3600" b="1" kern="0" dirty="0" smtClean="0">
-                <a:latin typeface="나눔고딕" panose="020D0604000000000000" pitchFamily="50" charset="-127"/>
-                <a:ea typeface="나눔고딕" panose="020D0604000000000000" pitchFamily="50" charset="-127"/>
-              </a:rPr>
-              <a:t> 결과</a:t>
+              <a:t>구현 결과</a:t>
             </a:r>
             <a:endParaRPr lang="en-US" altLang="ko-KR" sz="3600" b="1" kern="0" dirty="0" smtClean="0">
               <a:latin typeface="나눔고딕" panose="020D0604000000000000" pitchFamily="50" charset="-127"/>

--- a/최종 결과물/PPT/구현_방지훈.pptx
+++ b/최종 결과물/PPT/구현_방지훈.pptx
@@ -10643,7 +10643,7 @@
           <p:nvPr>
             <p:extLst>
               <p:ext uri="{D42A27DB-BD31-4B8C-83A1-F6EECF244321}">
-                <p14:modId xmlns:p14="http://schemas.microsoft.com/office/powerpoint/2010/main" val="445163006"/>
+                <p14:modId xmlns:p14="http://schemas.microsoft.com/office/powerpoint/2010/main" val="883013896"/>
               </p:ext>
             </p:extLst>
           </p:nvPr>
@@ -12374,7 +12374,7 @@
                           <a:latin typeface="맑은 고딕" panose="020B0503020000020004" pitchFamily="50" charset="-127"/>
                           <a:ea typeface="+mn-ea"/>
                         </a:rPr>
-                        <a:t>강의평가결과 </a:t>
+                        <a:t>강의평가조회 </a:t>
                       </a:r>
                       <a:r>
                         <a:rPr lang="en-US" altLang="ko-KR" sz="1000" kern="0" spc="0" dirty="0" smtClean="0">
